--- a/assets/logos_Funding/logos.pptx
+++ b/assets/logos_Funding/logos.pptx
@@ -6,6 +6,7 @@
   </p:sldMasterIdLst>
   <p:sldIdLst>
     <p:sldId id="256" r:id="rId2"/>
+    <p:sldId id="257" r:id="rId3"/>
   </p:sldIdLst>
   <p:sldSz cx="12192000" cy="6858000"/>
   <p:notesSz cx="6858000" cy="9144000"/>
@@ -104,6 +105,11 @@
       </a:defRPr>
     </a:lvl9pPr>
   </p:defaultTextStyle>
+  <p:extLst>
+    <p:ext uri="{EFAFB233-063F-42B5-8137-9DF3F51BA10A}">
+      <p15:sldGuideLst xmlns:p15="http://schemas.microsoft.com/office/powerpoint/2012/main"/>
+    </p:ext>
+  </p:extLst>
 </p:presentation>
 </file>
 
@@ -254,7 +260,7 @@
           <a:p>
             <a:fld id="{63737C07-0EBF-4680-86B0-2C446B331173}" type="datetimeFigureOut">
               <a:rPr lang="de-DE" smtClean="0"/>
-              <a:t>01.07.2025</a:t>
+              <a:t>04.07.2025</a:t>
             </a:fld>
             <a:endParaRPr lang="de-DE"/>
           </a:p>
@@ -452,7 +458,7 @@
           <a:p>
             <a:fld id="{63737C07-0EBF-4680-86B0-2C446B331173}" type="datetimeFigureOut">
               <a:rPr lang="de-DE" smtClean="0"/>
-              <a:t>01.07.2025</a:t>
+              <a:t>04.07.2025</a:t>
             </a:fld>
             <a:endParaRPr lang="de-DE"/>
           </a:p>
@@ -660,7 +666,7 @@
           <a:p>
             <a:fld id="{63737C07-0EBF-4680-86B0-2C446B331173}" type="datetimeFigureOut">
               <a:rPr lang="de-DE" smtClean="0"/>
-              <a:t>01.07.2025</a:t>
+              <a:t>04.07.2025</a:t>
             </a:fld>
             <a:endParaRPr lang="de-DE"/>
           </a:p>
@@ -858,7 +864,7 @@
           <a:p>
             <a:fld id="{63737C07-0EBF-4680-86B0-2C446B331173}" type="datetimeFigureOut">
               <a:rPr lang="de-DE" smtClean="0"/>
-              <a:t>01.07.2025</a:t>
+              <a:t>04.07.2025</a:t>
             </a:fld>
             <a:endParaRPr lang="de-DE"/>
           </a:p>
@@ -1133,7 +1139,7 @@
           <a:p>
             <a:fld id="{63737C07-0EBF-4680-86B0-2C446B331173}" type="datetimeFigureOut">
               <a:rPr lang="de-DE" smtClean="0"/>
-              <a:t>01.07.2025</a:t>
+              <a:t>04.07.2025</a:t>
             </a:fld>
             <a:endParaRPr lang="de-DE"/>
           </a:p>
@@ -1398,7 +1404,7 @@
           <a:p>
             <a:fld id="{63737C07-0EBF-4680-86B0-2C446B331173}" type="datetimeFigureOut">
               <a:rPr lang="de-DE" smtClean="0"/>
-              <a:t>01.07.2025</a:t>
+              <a:t>04.07.2025</a:t>
             </a:fld>
             <a:endParaRPr lang="de-DE"/>
           </a:p>
@@ -1810,7 +1816,7 @@
           <a:p>
             <a:fld id="{63737C07-0EBF-4680-86B0-2C446B331173}" type="datetimeFigureOut">
               <a:rPr lang="de-DE" smtClean="0"/>
-              <a:t>01.07.2025</a:t>
+              <a:t>04.07.2025</a:t>
             </a:fld>
             <a:endParaRPr lang="de-DE"/>
           </a:p>
@@ -1951,7 +1957,7 @@
           <a:p>
             <a:fld id="{63737C07-0EBF-4680-86B0-2C446B331173}" type="datetimeFigureOut">
               <a:rPr lang="de-DE" smtClean="0"/>
-              <a:t>01.07.2025</a:t>
+              <a:t>04.07.2025</a:t>
             </a:fld>
             <a:endParaRPr lang="de-DE"/>
           </a:p>
@@ -2064,7 +2070,7 @@
           <a:p>
             <a:fld id="{63737C07-0EBF-4680-86B0-2C446B331173}" type="datetimeFigureOut">
               <a:rPr lang="de-DE" smtClean="0"/>
-              <a:t>01.07.2025</a:t>
+              <a:t>04.07.2025</a:t>
             </a:fld>
             <a:endParaRPr lang="de-DE"/>
           </a:p>
@@ -2375,7 +2381,7 @@
           <a:p>
             <a:fld id="{63737C07-0EBF-4680-86B0-2C446B331173}" type="datetimeFigureOut">
               <a:rPr lang="de-DE" smtClean="0"/>
-              <a:t>01.07.2025</a:t>
+              <a:t>04.07.2025</a:t>
             </a:fld>
             <a:endParaRPr lang="de-DE"/>
           </a:p>
@@ -2663,7 +2669,7 @@
           <a:p>
             <a:fld id="{63737C07-0EBF-4680-86B0-2C446B331173}" type="datetimeFigureOut">
               <a:rPr lang="de-DE" smtClean="0"/>
-              <a:t>01.07.2025</a:t>
+              <a:t>04.07.2025</a:t>
             </a:fld>
             <a:endParaRPr lang="de-DE"/>
           </a:p>
@@ -2904,7 +2910,7 @@
           <a:p>
             <a:fld id="{63737C07-0EBF-4680-86B0-2C446B331173}" type="datetimeFigureOut">
               <a:rPr lang="de-DE" smtClean="0"/>
-              <a:t>01.07.2025</a:t>
+              <a:t>04.07.2025</a:t>
             </a:fld>
             <a:endParaRPr lang="de-DE"/>
           </a:p>
@@ -3375,7 +3381,7 @@
           <a:lstStyle/>
           <a:p>
             <a:pPr algn="ctr"/>
-            <a:endParaRPr lang="de-DE"/>
+            <a:endParaRPr lang="de-DE" dirty="0"/>
           </a:p>
         </p:txBody>
       </p:sp>
@@ -3394,9 +3400,9 @@
         <p:grpSpPr>
           <a:xfrm>
             <a:off x="1290530" y="2412019"/>
-            <a:ext cx="9191730" cy="1564620"/>
+            <a:ext cx="9226927" cy="1564620"/>
             <a:chOff x="1290530" y="2412019"/>
-            <a:chExt cx="9191730" cy="1564620"/>
+            <a:chExt cx="9226927" cy="1564620"/>
           </a:xfrm>
         </p:grpSpPr>
         <p:pic>
@@ -3528,14 +3534,13 @@
                 </a:ext>
               </a:extLst>
             </a:blip>
-            <a:stretch>
-              <a:fillRect/>
-            </a:stretch>
+            <a:srcRect/>
+            <a:stretch/>
           </p:blipFill>
           <p:spPr>
             <a:xfrm>
-              <a:off x="7305675" y="3374044"/>
-              <a:ext cx="3176585" cy="547687"/>
+              <a:off x="7303852" y="3290840"/>
+              <a:ext cx="3213605" cy="630892"/>
             </a:xfrm>
             <a:prstGeom prst="rect">
               <a:avLst/>
@@ -3655,6 +3660,262 @@
     <p:extLst>
       <p:ext uri="{BB962C8B-B14F-4D97-AF65-F5344CB8AC3E}">
         <p14:creationId xmlns:p14="http://schemas.microsoft.com/office/powerpoint/2010/main" val="4029173301"/>
+      </p:ext>
+    </p:extLst>
+  </p:cSld>
+  <p:clrMapOvr>
+    <a:masterClrMapping/>
+  </p:clrMapOvr>
+</p:sld>
+</file>
+
+<file path=ppt/slides/slide2.xml><?xml version="1.0" encoding="utf-8"?>
+<p:sld xmlns:a="http://schemas.openxmlformats.org/drawingml/2006/main" xmlns:r="http://schemas.openxmlformats.org/officeDocument/2006/relationships" xmlns:p="http://schemas.openxmlformats.org/presentationml/2006/main">
+  <p:cSld>
+    <p:spTree>
+      <p:nvGrpSpPr>
+        <p:cNvPr id="1" name="">
+          <a:extLst>
+            <a:ext uri="{FF2B5EF4-FFF2-40B4-BE49-F238E27FC236}">
+              <a16:creationId xmlns:a16="http://schemas.microsoft.com/office/drawing/2014/main" id="{AE631858-84F0-73C7-6B25-32BEE13EFBD7}"/>
+            </a:ext>
+          </a:extLst>
+        </p:cNvPr>
+        <p:cNvGrpSpPr/>
+        <p:nvPr/>
+      </p:nvGrpSpPr>
+      <p:grpSpPr>
+        <a:xfrm>
+          <a:off x="0" y="0"/>
+          <a:ext cx="0" cy="0"/>
+          <a:chOff x="0" y="0"/>
+          <a:chExt cx="0" cy="0"/>
+        </a:xfrm>
+      </p:grpSpPr>
+      <p:grpSp>
+        <p:nvGrpSpPr>
+          <p:cNvPr id="26" name="Gruppieren 25">
+            <a:extLst>
+              <a:ext uri="{FF2B5EF4-FFF2-40B4-BE49-F238E27FC236}">
+                <a16:creationId xmlns:a16="http://schemas.microsoft.com/office/drawing/2014/main" id="{754A4F78-4711-2517-544B-BFEBBC6223A8}"/>
+              </a:ext>
+            </a:extLst>
+          </p:cNvPr>
+          <p:cNvGrpSpPr/>
+          <p:nvPr/>
+        </p:nvGrpSpPr>
+        <p:grpSpPr>
+          <a:xfrm>
+            <a:off x="2730500" y="-502250"/>
+            <a:ext cx="5760001" cy="7562575"/>
+            <a:chOff x="1892300" y="-2051650"/>
+            <a:chExt cx="5760001" cy="7562575"/>
+          </a:xfrm>
+        </p:grpSpPr>
+        <p:pic>
+          <p:nvPicPr>
+            <p:cNvPr id="6" name="Grafik 5" descr="Ein Bild, das Screenshot, Text, Kunst, Design enthält.&#10;&#10;KI-generierte Inhalte können fehlerhaft sein.">
+              <a:extLst>
+                <a:ext uri="{FF2B5EF4-FFF2-40B4-BE49-F238E27FC236}">
+                  <a16:creationId xmlns:a16="http://schemas.microsoft.com/office/drawing/2014/main" id="{D830B12F-009D-6098-D8AC-3A9DE3874238}"/>
+                </a:ext>
+              </a:extLst>
+            </p:cNvPr>
+            <p:cNvPicPr>
+              <a:picLocks noChangeAspect="1"/>
+            </p:cNvPicPr>
+            <p:nvPr/>
+          </p:nvPicPr>
+          <p:blipFill>
+            <a:blip r:embed="rId2">
+              <a:extLst>
+                <a:ext uri="{28A0092B-C50C-407E-A947-70E740481C1C}">
+                  <a14:useLocalDpi xmlns:a14="http://schemas.microsoft.com/office/drawing/2010/main" val="0"/>
+                </a:ext>
+              </a:extLst>
+            </a:blip>
+            <a:stretch>
+              <a:fillRect/>
+            </a:stretch>
+          </p:blipFill>
+          <p:spPr>
+            <a:xfrm>
+              <a:off x="1892300" y="-2051650"/>
+              <a:ext cx="5760000" cy="4883749"/>
+            </a:xfrm>
+            <a:prstGeom prst="rect">
+              <a:avLst/>
+            </a:prstGeom>
+          </p:spPr>
+        </p:pic>
+        <p:grpSp>
+          <p:nvGrpSpPr>
+            <p:cNvPr id="23" name="Gruppieren 22">
+              <a:extLst>
+                <a:ext uri="{FF2B5EF4-FFF2-40B4-BE49-F238E27FC236}">
+                  <a16:creationId xmlns:a16="http://schemas.microsoft.com/office/drawing/2014/main" id="{93AF9443-4696-0943-F029-1CA8465FE3E0}"/>
+                </a:ext>
+              </a:extLst>
+            </p:cNvPr>
+            <p:cNvGrpSpPr/>
+            <p:nvPr/>
+          </p:nvGrpSpPr>
+          <p:grpSpPr>
+            <a:xfrm>
+              <a:off x="1892301" y="2832100"/>
+              <a:ext cx="5760000" cy="2678825"/>
+              <a:chOff x="877599" y="1899823"/>
+              <a:chExt cx="8039408" cy="3738917"/>
+            </a:xfrm>
+          </p:grpSpPr>
+          <p:pic>
+            <p:nvPicPr>
+              <p:cNvPr id="3" name="Grafik 2" descr="Ein Bild, das Screenshot, Text, Kreis, Kunst enthält.&#10;&#10;KI-generierte Inhalte können fehlerhaft sein.">
+                <a:extLst>
+                  <a:ext uri="{FF2B5EF4-FFF2-40B4-BE49-F238E27FC236}">
+                    <a16:creationId xmlns:a16="http://schemas.microsoft.com/office/drawing/2014/main" id="{5018A3A8-B1AC-D669-2DE0-8AC7FDA84484}"/>
+                  </a:ext>
+                </a:extLst>
+              </p:cNvPr>
+              <p:cNvPicPr>
+                <a:picLocks noChangeAspect="1"/>
+              </p:cNvPicPr>
+              <p:nvPr/>
+            </p:nvPicPr>
+            <p:blipFill rotWithShape="1">
+              <a:blip r:embed="rId3">
+                <a:extLst>
+                  <a:ext uri="{28A0092B-C50C-407E-A947-70E740481C1C}">
+                    <a14:useLocalDpi xmlns:a14="http://schemas.microsoft.com/office/drawing/2010/main" val="0"/>
+                  </a:ext>
+                </a:extLst>
+              </a:blip>
+              <a:srcRect l="49" t="26623" r="37736"/>
+              <a:stretch/>
+            </p:blipFill>
+            <p:spPr>
+              <a:xfrm>
+                <a:off x="5178090" y="1899823"/>
+                <a:ext cx="3738917" cy="3738917"/>
+              </a:xfrm>
+              <a:prstGeom prst="rect">
+                <a:avLst/>
+              </a:prstGeom>
+            </p:spPr>
+          </p:pic>
+          <p:pic>
+            <p:nvPicPr>
+              <p:cNvPr id="10" name="Grafik 9" descr="Ein Bild, das Screenshot, Text, Design enthält.&#10;&#10;KI-generierte Inhalte können fehlerhaft sein.">
+                <a:extLst>
+                  <a:ext uri="{FF2B5EF4-FFF2-40B4-BE49-F238E27FC236}">
+                    <a16:creationId xmlns:a16="http://schemas.microsoft.com/office/drawing/2014/main" id="{B37D0AE8-A11A-57B7-2B21-A2EB3157A337}"/>
+                  </a:ext>
+                </a:extLst>
+              </p:cNvPr>
+              <p:cNvPicPr>
+                <a:picLocks noChangeAspect="1"/>
+              </p:cNvPicPr>
+              <p:nvPr/>
+            </p:nvPicPr>
+            <p:blipFill rotWithShape="1">
+              <a:blip r:embed="rId4">
+                <a:extLst>
+                  <a:ext uri="{28A0092B-C50C-407E-A947-70E740481C1C}">
+                    <a14:useLocalDpi xmlns:a14="http://schemas.microsoft.com/office/drawing/2010/main" val="0"/>
+                  </a:ext>
+                </a:extLst>
+              </a:blip>
+              <a:srcRect l="-271" t="26602" r="27657" b="-1"/>
+              <a:stretch/>
+            </p:blipFill>
+            <p:spPr>
+              <a:xfrm>
+                <a:off x="877599" y="1899823"/>
+                <a:ext cx="4300491" cy="3738917"/>
+              </a:xfrm>
+              <a:prstGeom prst="rect">
+                <a:avLst/>
+              </a:prstGeom>
+            </p:spPr>
+          </p:pic>
+        </p:grpSp>
+      </p:grpSp>
+      <p:sp>
+        <p:nvSpPr>
+          <p:cNvPr id="17" name="Textfeld 16">
+            <a:extLst>
+              <a:ext uri="{FF2B5EF4-FFF2-40B4-BE49-F238E27FC236}">
+                <a16:creationId xmlns:a16="http://schemas.microsoft.com/office/drawing/2014/main" id="{12367A40-CF89-78EE-3D91-9ED3019256A7}"/>
+              </a:ext>
+            </a:extLst>
+          </p:cNvPr>
+          <p:cNvSpPr txBox="1"/>
+          <p:nvPr/>
+        </p:nvSpPr>
+        <p:spPr>
+          <a:xfrm>
+            <a:off x="10506886" y="5458014"/>
+            <a:ext cx="1987280" cy="923330"/>
+          </a:xfrm>
+          <a:prstGeom prst="rect">
+            <a:avLst/>
+          </a:prstGeom>
+          <a:noFill/>
+        </p:spPr>
+        <p:txBody>
+          <a:bodyPr wrap="square">
+            <a:spAutoFit/>
+          </a:bodyPr>
+          <a:lstStyle/>
+          <a:p>
+            <a:r>
+              <a:rPr lang="en-US" dirty="0"/>
+              <a:t>46 hyperscanning conditions of 15 studies</a:t>
+            </a:r>
+            <a:endParaRPr lang="de-DE" dirty="0"/>
+          </a:p>
+        </p:txBody>
+      </p:sp>
+      <p:sp>
+        <p:nvSpPr>
+          <p:cNvPr id="20" name="Textfeld 19">
+            <a:extLst>
+              <a:ext uri="{FF2B5EF4-FFF2-40B4-BE49-F238E27FC236}">
+                <a16:creationId xmlns:a16="http://schemas.microsoft.com/office/drawing/2014/main" id="{924E3565-91E8-F197-C869-F766CA42BBA5}"/>
+              </a:ext>
+            </a:extLst>
+          </p:cNvPr>
+          <p:cNvSpPr txBox="1"/>
+          <p:nvPr/>
+        </p:nvSpPr>
+        <p:spPr>
+          <a:xfrm>
+            <a:off x="-361471" y="5371778"/>
+            <a:ext cx="1866900" cy="1200329"/>
+          </a:xfrm>
+          <a:prstGeom prst="rect">
+            <a:avLst/>
+          </a:prstGeom>
+          <a:noFill/>
+        </p:spPr>
+        <p:txBody>
+          <a:bodyPr wrap="square">
+            <a:spAutoFit/>
+          </a:bodyPr>
+          <a:lstStyle/>
+          <a:p>
+            <a:r>
+              <a:rPr lang="en-US" dirty="0"/>
+              <a:t>43 hyperscanning conditions of 19 studies </a:t>
+            </a:r>
+            <a:endParaRPr lang="de-DE" dirty="0"/>
+          </a:p>
+        </p:txBody>
+      </p:sp>
+    </p:spTree>
+    <p:extLst>
+      <p:ext uri="{BB962C8B-B14F-4D97-AF65-F5344CB8AC3E}">
+        <p14:creationId xmlns:p14="http://schemas.microsoft.com/office/powerpoint/2010/main" val="240606495"/>
       </p:ext>
     </p:extLst>
   </p:cSld>

--- a/assets/logos_Funding/logos.pptx
+++ b/assets/logos_Funding/logos.pptx
@@ -3387,10 +3387,10 @@
       </p:sp>
       <p:grpSp>
         <p:nvGrpSpPr>
-          <p:cNvPr id="19" name="Gruppieren 18">
-            <a:extLst>
-              <a:ext uri="{FF2B5EF4-FFF2-40B4-BE49-F238E27FC236}">
-                <a16:creationId xmlns:a16="http://schemas.microsoft.com/office/drawing/2014/main" id="{D75173CF-0B73-C1A8-F71D-A33517455382}"/>
+          <p:cNvPr id="2" name="Gruppieren 1">
+            <a:extLst>
+              <a:ext uri="{FF2B5EF4-FFF2-40B4-BE49-F238E27FC236}">
+                <a16:creationId xmlns:a16="http://schemas.microsoft.com/office/drawing/2014/main" id="{EB5B379A-8727-1CCD-D996-F7DAB22F6640}"/>
               </a:ext>
             </a:extLst>
           </p:cNvPr>
@@ -3504,7 +3504,7 @@
           </p:blipFill>
           <p:spPr>
             <a:xfrm>
-              <a:off x="7305675" y="2471689"/>
+              <a:off x="7305675" y="2412019"/>
               <a:ext cx="3176585" cy="673821"/>
             </a:xfrm>
             <a:prstGeom prst="rect">
@@ -3632,23 +3632,31 @@
               <a:lstStyle/>
               <a:p>
                 <a:r>
-                  <a:rPr lang="de-DE" sz="1600" dirty="0"/>
+                  <a:rPr lang="de-DE" sz="1600" dirty="0">
+                    <a:latin typeface="Frutiger LT Com 55 Roman" panose="020B0503030504020204" pitchFamily="34" charset="0"/>
+                  </a:rPr>
                   <a:t>Applied</a:t>
                 </a:r>
               </a:p>
               <a:p>
                 <a:r>
-                  <a:rPr lang="de-DE" sz="1600" dirty="0" err="1"/>
+                  <a:rPr lang="de-DE" sz="1600" dirty="0" err="1">
+                    <a:latin typeface="Frutiger LT Com 55 Roman" panose="020B0503030504020204" pitchFamily="34" charset="0"/>
+                  </a:rPr>
                   <a:t>Neurocognitive</a:t>
                 </a:r>
                 <a:r>
-                  <a:rPr lang="de-DE" sz="1600" dirty="0"/>
+                  <a:rPr lang="de-DE" sz="1600" dirty="0">
+                    <a:latin typeface="Frutiger LT Com 55 Roman" panose="020B0503030504020204" pitchFamily="34" charset="0"/>
+                  </a:rPr>
                   <a:t> </a:t>
                 </a:r>
               </a:p>
               <a:p>
                 <a:r>
-                  <a:rPr lang="de-DE" sz="1600" dirty="0"/>
+                  <a:rPr lang="de-DE" sz="1600" dirty="0">
+                    <a:latin typeface="Frutiger LT Com 55 Roman" panose="020B0503030504020204" pitchFamily="34" charset="0"/>
+                  </a:rPr>
                   <a:t>Systems</a:t>
                 </a:r>
               </a:p>

--- a/assets/logos_Funding/logos.pptx
+++ b/assets/logos_Funding/logos.pptx
@@ -260,7 +260,7 @@
           <a:p>
             <a:fld id="{63737C07-0EBF-4680-86B0-2C446B331173}" type="datetimeFigureOut">
               <a:rPr lang="de-DE" smtClean="0"/>
-              <a:t>04.07.2025</a:t>
+              <a:t>28.07.2025</a:t>
             </a:fld>
             <a:endParaRPr lang="de-DE"/>
           </a:p>
@@ -458,7 +458,7 @@
           <a:p>
             <a:fld id="{63737C07-0EBF-4680-86B0-2C446B331173}" type="datetimeFigureOut">
               <a:rPr lang="de-DE" smtClean="0"/>
-              <a:t>04.07.2025</a:t>
+              <a:t>28.07.2025</a:t>
             </a:fld>
             <a:endParaRPr lang="de-DE"/>
           </a:p>
@@ -666,7 +666,7 @@
           <a:p>
             <a:fld id="{63737C07-0EBF-4680-86B0-2C446B331173}" type="datetimeFigureOut">
               <a:rPr lang="de-DE" smtClean="0"/>
-              <a:t>04.07.2025</a:t>
+              <a:t>28.07.2025</a:t>
             </a:fld>
             <a:endParaRPr lang="de-DE"/>
           </a:p>
@@ -864,7 +864,7 @@
           <a:p>
             <a:fld id="{63737C07-0EBF-4680-86B0-2C446B331173}" type="datetimeFigureOut">
               <a:rPr lang="de-DE" smtClean="0"/>
-              <a:t>04.07.2025</a:t>
+              <a:t>28.07.2025</a:t>
             </a:fld>
             <a:endParaRPr lang="de-DE"/>
           </a:p>
@@ -1139,7 +1139,7 @@
           <a:p>
             <a:fld id="{63737C07-0EBF-4680-86B0-2C446B331173}" type="datetimeFigureOut">
               <a:rPr lang="de-DE" smtClean="0"/>
-              <a:t>04.07.2025</a:t>
+              <a:t>28.07.2025</a:t>
             </a:fld>
             <a:endParaRPr lang="de-DE"/>
           </a:p>
@@ -1404,7 +1404,7 @@
           <a:p>
             <a:fld id="{63737C07-0EBF-4680-86B0-2C446B331173}" type="datetimeFigureOut">
               <a:rPr lang="de-DE" smtClean="0"/>
-              <a:t>04.07.2025</a:t>
+              <a:t>28.07.2025</a:t>
             </a:fld>
             <a:endParaRPr lang="de-DE"/>
           </a:p>
@@ -1816,7 +1816,7 @@
           <a:p>
             <a:fld id="{63737C07-0EBF-4680-86B0-2C446B331173}" type="datetimeFigureOut">
               <a:rPr lang="de-DE" smtClean="0"/>
-              <a:t>04.07.2025</a:t>
+              <a:t>28.07.2025</a:t>
             </a:fld>
             <a:endParaRPr lang="de-DE"/>
           </a:p>
@@ -1957,7 +1957,7 @@
           <a:p>
             <a:fld id="{63737C07-0EBF-4680-86B0-2C446B331173}" type="datetimeFigureOut">
               <a:rPr lang="de-DE" smtClean="0"/>
-              <a:t>04.07.2025</a:t>
+              <a:t>28.07.2025</a:t>
             </a:fld>
             <a:endParaRPr lang="de-DE"/>
           </a:p>
@@ -2070,7 +2070,7 @@
           <a:p>
             <a:fld id="{63737C07-0EBF-4680-86B0-2C446B331173}" type="datetimeFigureOut">
               <a:rPr lang="de-DE" smtClean="0"/>
-              <a:t>04.07.2025</a:t>
+              <a:t>28.07.2025</a:t>
             </a:fld>
             <a:endParaRPr lang="de-DE"/>
           </a:p>
@@ -2381,7 +2381,7 @@
           <a:p>
             <a:fld id="{63737C07-0EBF-4680-86B0-2C446B331173}" type="datetimeFigureOut">
               <a:rPr lang="de-DE" smtClean="0"/>
-              <a:t>04.07.2025</a:t>
+              <a:t>28.07.2025</a:t>
             </a:fld>
             <a:endParaRPr lang="de-DE"/>
           </a:p>
@@ -2669,7 +2669,7 @@
           <a:p>
             <a:fld id="{63737C07-0EBF-4680-86B0-2C446B331173}" type="datetimeFigureOut">
               <a:rPr lang="de-DE" smtClean="0"/>
-              <a:t>04.07.2025</a:t>
+              <a:t>28.07.2025</a:t>
             </a:fld>
             <a:endParaRPr lang="de-DE"/>
           </a:p>
@@ -2910,7 +2910,7 @@
           <a:p>
             <a:fld id="{63737C07-0EBF-4680-86B0-2C446B331173}" type="datetimeFigureOut">
               <a:rPr lang="de-DE" smtClean="0"/>
-              <a:t>04.07.2025</a:t>
+              <a:t>28.07.2025</a:t>
             </a:fld>
             <a:endParaRPr lang="de-DE"/>
           </a:p>
@@ -3632,30 +3632,34 @@
               <a:lstStyle/>
               <a:p>
                 <a:r>
-                  <a:rPr lang="de-DE" sz="1600" dirty="0">
-                    <a:latin typeface="Frutiger LT Com 55 Roman" panose="020B0503030504020204" pitchFamily="34" charset="0"/>
+                  <a:rPr lang="de-DE" sz="1600" b="1" dirty="0">
+                    <a:latin typeface="Arial" panose="020B0604020202020204" pitchFamily="34" charset="0"/>
+                    <a:cs typeface="Arial" panose="020B0604020202020204" pitchFamily="34" charset="0"/>
                   </a:rPr>
                   <a:t>Applied</a:t>
                 </a:r>
               </a:p>
               <a:p>
                 <a:r>
-                  <a:rPr lang="de-DE" sz="1600" dirty="0" err="1">
-                    <a:latin typeface="Frutiger LT Com 55 Roman" panose="020B0503030504020204" pitchFamily="34" charset="0"/>
+                  <a:rPr lang="de-DE" sz="1600" b="1" dirty="0" err="1">
+                    <a:latin typeface="Arial" panose="020B0604020202020204" pitchFamily="34" charset="0"/>
+                    <a:cs typeface="Arial" panose="020B0604020202020204" pitchFamily="34" charset="0"/>
                   </a:rPr>
                   <a:t>Neurocognitive</a:t>
                 </a:r>
                 <a:r>
-                  <a:rPr lang="de-DE" sz="1600" dirty="0">
-                    <a:latin typeface="Frutiger LT Com 55 Roman" panose="020B0503030504020204" pitchFamily="34" charset="0"/>
+                  <a:rPr lang="de-DE" sz="1600" b="1" dirty="0">
+                    <a:latin typeface="Arial" panose="020B0604020202020204" pitchFamily="34" charset="0"/>
+                    <a:cs typeface="Arial" panose="020B0604020202020204" pitchFamily="34" charset="0"/>
                   </a:rPr>
                   <a:t> </a:t>
                 </a:r>
               </a:p>
               <a:p>
                 <a:r>
-                  <a:rPr lang="de-DE" sz="1600" dirty="0">
-                    <a:latin typeface="Frutiger LT Com 55 Roman" panose="020B0503030504020204" pitchFamily="34" charset="0"/>
+                  <a:rPr lang="de-DE" sz="1600" b="1" dirty="0">
+                    <a:latin typeface="Arial" panose="020B0604020202020204" pitchFamily="34" charset="0"/>
+                    <a:cs typeface="Arial" panose="020B0604020202020204" pitchFamily="34" charset="0"/>
                   </a:rPr>
                   <a:t>Systems</a:t>
                 </a:r>
